--- a/Презентация Богомолов Н.А..pptx
+++ b/Презентация Богомолов Н.А..pptx
@@ -114,7 +114,7 @@
   </p:defaultTextStyle>
   <p:extLst>
     <p:ext uri="{EFAFB233-063F-42B5-8137-9DF3F51BA10A}">
-      <p15:sldGuideLst xmlns:p15="http://schemas.microsoft.com/office/powerpoint/2012/main" xmlns=""/>
+      <p15:sldGuideLst xmlns="" xmlns:p15="http://schemas.microsoft.com/office/powerpoint/2012/main"/>
     </p:ext>
   </p:extLst>
 </p:presentation>
@@ -179,7 +179,7 @@
           <a:p>
             <a:fld id="{BC2AD36E-CD11-4CF6-8B46-B5198877465C}" type="datetimeFigureOut">
               <a:rPr lang="ru-RU" smtClean="0"/>
-              <a:t>20.05.2020</a:t>
+              <a:t>21.05.2020</a:t>
             </a:fld>
             <a:endParaRPr lang="ru-RU"/>
           </a:p>
@@ -495,7 +495,7 @@
           <a:p>
             <a:fld id="{BC2AD36E-CD11-4CF6-8B46-B5198877465C}" type="datetimeFigureOut">
               <a:rPr lang="ru-RU" smtClean="0"/>
-              <a:t>20.05.2020</a:t>
+              <a:t>21.05.2020</a:t>
             </a:fld>
             <a:endParaRPr lang="ru-RU"/>
           </a:p>
@@ -670,7 +670,7 @@
           <a:p>
             <a:fld id="{BC2AD36E-CD11-4CF6-8B46-B5198877465C}" type="datetimeFigureOut">
               <a:rPr lang="ru-RU" smtClean="0"/>
-              <a:t>20.05.2020</a:t>
+              <a:t>21.05.2020</a:t>
             </a:fld>
             <a:endParaRPr lang="ru-RU"/>
           </a:p>
@@ -788,7 +788,7 @@
           <a:p>
             <a:fld id="{BC2AD36E-CD11-4CF6-8B46-B5198877465C}" type="datetimeFigureOut">
               <a:rPr lang="ru-RU" smtClean="0"/>
-              <a:t>20.05.2020</a:t>
+              <a:t>21.05.2020</a:t>
             </a:fld>
             <a:endParaRPr lang="ru-RU"/>
           </a:p>
@@ -1086,7 +1086,7 @@
           <a:p>
             <a:fld id="{BC2AD36E-CD11-4CF6-8B46-B5198877465C}" type="datetimeFigureOut">
               <a:rPr lang="ru-RU" smtClean="0"/>
-              <a:t>20.05.2020</a:t>
+              <a:t>21.05.2020</a:t>
             </a:fld>
             <a:endParaRPr lang="ru-RU"/>
           </a:p>
@@ -1379,7 +1379,7 @@
           <a:p>
             <a:fld id="{BC2AD36E-CD11-4CF6-8B46-B5198877465C}" type="datetimeFigureOut">
               <a:rPr lang="ru-RU" smtClean="0"/>
-              <a:t>20.05.2020</a:t>
+              <a:t>21.05.2020</a:t>
             </a:fld>
             <a:endParaRPr lang="ru-RU"/>
           </a:p>
@@ -1807,7 +1807,7 @@
           <a:p>
             <a:fld id="{BC2AD36E-CD11-4CF6-8B46-B5198877465C}" type="datetimeFigureOut">
               <a:rPr lang="ru-RU" smtClean="0"/>
-              <a:t>20.05.2020</a:t>
+              <a:t>21.05.2020</a:t>
             </a:fld>
             <a:endParaRPr lang="ru-RU"/>
           </a:p>
@@ -1925,7 +1925,7 @@
           <a:p>
             <a:fld id="{BC2AD36E-CD11-4CF6-8B46-B5198877465C}" type="datetimeFigureOut">
               <a:rPr lang="ru-RU" smtClean="0"/>
-              <a:t>20.05.2020</a:t>
+              <a:t>21.05.2020</a:t>
             </a:fld>
             <a:endParaRPr lang="ru-RU"/>
           </a:p>
@@ -2015,7 +2015,7 @@
           <a:p>
             <a:fld id="{BC2AD36E-CD11-4CF6-8B46-B5198877465C}" type="datetimeFigureOut">
               <a:rPr lang="ru-RU" smtClean="0"/>
-              <a:t>20.05.2020</a:t>
+              <a:t>21.05.2020</a:t>
             </a:fld>
             <a:endParaRPr lang="ru-RU"/>
           </a:p>
@@ -2265,7 +2265,7 @@
           <a:p>
             <a:fld id="{BC2AD36E-CD11-4CF6-8B46-B5198877465C}" type="datetimeFigureOut">
               <a:rPr lang="ru-RU" smtClean="0"/>
-              <a:t>20.05.2020</a:t>
+              <a:t>21.05.2020</a:t>
             </a:fld>
             <a:endParaRPr lang="ru-RU"/>
           </a:p>
@@ -2781,7 +2781,7 @@
           <a:p>
             <a:fld id="{BC2AD36E-CD11-4CF6-8B46-B5198877465C}" type="datetimeFigureOut">
               <a:rPr lang="ru-RU" smtClean="0"/>
-              <a:t>20.05.2020</a:t>
+              <a:t>21.05.2020</a:t>
             </a:fld>
             <a:endParaRPr lang="ru-RU"/>
           </a:p>
@@ -3011,7 +3011,7 @@
           <a:p>
             <a:fld id="{BC2AD36E-CD11-4CF6-8B46-B5198877465C}" type="datetimeFigureOut">
               <a:rPr lang="ru-RU" smtClean="0"/>
-              <a:t>20.05.2020</a:t>
+              <a:t>21.05.2020</a:t>
             </a:fld>
             <a:endParaRPr lang="ru-RU"/>
           </a:p>
@@ -3534,7 +3534,11 @@
             <a:pPr algn="r"/>
             <a:r>
               <a:rPr lang="ru-RU" dirty="0" smtClean="0"/>
-              <a:t>Выполнили студенты группы П2-16</a:t>
+              <a:t>Выполнил </a:t>
+            </a:r>
+            <a:r>
+              <a:rPr lang="ru-RU" dirty="0" smtClean="0"/>
+              <a:t>студенты группы П2-16</a:t>
             </a:r>
             <a:endParaRPr lang="en-US" dirty="0"/>
           </a:p>
@@ -3542,17 +3546,8 @@
             <a:pPr algn="r"/>
             <a:r>
               <a:rPr lang="ru-RU" dirty="0" smtClean="0"/>
-              <a:t>Богомолов </a:t>
-            </a:r>
-            <a:r>
-              <a:rPr lang="ru-RU" dirty="0" smtClean="0"/>
-              <a:t>Н</a:t>
-            </a:r>
-            <a:r>
-              <a:rPr lang="ru-RU" dirty="0" smtClean="0"/>
-              <a:t>.А.</a:t>
-            </a:r>
-            <a:endParaRPr lang="ru-RU" dirty="0" smtClean="0"/>
+              <a:t>Богомолов Н.А.</a:t>
+            </a:r>
           </a:p>
         </p:txBody>
       </p:sp>
@@ -3671,15 +3666,7 @@
           <a:p>
             <a:r>
               <a:rPr lang="ru-RU" dirty="0" smtClean="0"/>
-              <a:t>Консультирование пользователей об обновлениях </a:t>
-            </a:r>
-            <a:r>
-              <a:rPr lang="ru-RU" dirty="0" smtClean="0"/>
-              <a:t>по  приложению</a:t>
-            </a:r>
-            <a:r>
-              <a:rPr lang="ru-RU" dirty="0" smtClean="0"/>
-              <a:t> </a:t>
+              <a:t>Консультирование пользователей об обновлениях по  приложению </a:t>
             </a:r>
             <a:r>
               <a:rPr lang="en-US" dirty="0" smtClean="0"/>
@@ -3863,11 +3850,7 @@
                       </a:r>
                       <a:r>
                         <a:rPr lang="ru-RU" baseline="0" dirty="0" smtClean="0"/>
-                        <a:t> развитие и поддержка </a:t>
-                      </a:r>
-                      <a:r>
-                        <a:rPr lang="ru-RU" baseline="0" dirty="0" smtClean="0"/>
-                        <a:t>сайта</a:t>
+                        <a:t> развитие и поддержка сайта</a:t>
                       </a:r>
                     </a:p>
                     <a:p>
@@ -3911,11 +3894,7 @@
                     <a:p>
                       <a:r>
                         <a:rPr lang="ru-RU" dirty="0" smtClean="0"/>
-                        <a:t>Разработка </a:t>
-                      </a:r>
-                      <a:r>
-                        <a:rPr lang="ru-RU" dirty="0" smtClean="0"/>
-                        <a:t>ПО</a:t>
+                        <a:t>Разработка ПО</a:t>
                       </a:r>
                       <a:r>
                         <a:rPr lang="ru-RU" baseline="0" dirty="0" smtClean="0"/>
@@ -3987,11 +3966,7 @@
                       </a:r>
                       <a:r>
                         <a:rPr lang="ru-RU" baseline="0" smtClean="0"/>
-                        <a:t> </a:t>
-                      </a:r>
-                      <a:r>
-                        <a:rPr lang="ru-RU" baseline="0" smtClean="0"/>
-                        <a:t>пользователей по </a:t>
+                        <a:t> пользователей по </a:t>
                       </a:r>
                       <a:r>
                         <a:rPr lang="ru-RU" baseline="0" dirty="0" smtClean="0"/>
